--- a/onestopshop.pptx
+++ b/onestopshop.pptx
@@ -4,6 +4,9 @@
   <p:sldMasterIdLst>
     <p:sldMasterId id="2147483696" r:id="rId1"/>
   </p:sldMasterIdLst>
+  <p:notesMasterIdLst>
+    <p:notesMasterId r:id="rId17"/>
+  </p:notesMasterIdLst>
   <p:sldIdLst>
     <p:sldId id="256" r:id="rId2"/>
     <p:sldId id="267" r:id="rId3"/>
@@ -126,6 +129,356 @@
 </p:presentation>
 </file>
 
+<file path=ppt/notesMasters/notesMaster1.xml><?xml version="1.0" encoding="utf-8"?>
+<p:notesMaster xmlns:a="http://schemas.openxmlformats.org/drawingml/2006/main" xmlns:r="http://schemas.openxmlformats.org/officeDocument/2006/relationships" xmlns:p="http://schemas.openxmlformats.org/presentationml/2006/main">
+  <p:cSld>
+    <p:bg>
+      <p:bgRef idx="1001">
+        <a:schemeClr val="bg1"/>
+      </p:bgRef>
+    </p:bg>
+    <p:spTree>
+      <p:nvGrpSpPr>
+        <p:cNvPr id="1" name=""/>
+        <p:cNvGrpSpPr/>
+        <p:nvPr/>
+      </p:nvGrpSpPr>
+      <p:grpSpPr>
+        <a:xfrm>
+          <a:off x="0" y="0"/>
+          <a:ext cx="0" cy="0"/>
+          <a:chOff x="0" y="0"/>
+          <a:chExt cx="0" cy="0"/>
+        </a:xfrm>
+      </p:grpSpPr>
+      <p:sp>
+        <p:nvSpPr>
+          <p:cNvPr id="2" name="Header Placeholder 1"/>
+          <p:cNvSpPr>
+            <a:spLocks noGrp="1"/>
+          </p:cNvSpPr>
+          <p:nvPr>
+            <p:ph type="hdr" sz="quarter"/>
+          </p:nvPr>
+        </p:nvSpPr>
+        <p:spPr>
+          <a:xfrm>
+            <a:off x="0" y="0"/>
+            <a:ext cx="2971800" cy="458788"/>
+          </a:xfrm>
+          <a:prstGeom prst="rect">
+            <a:avLst/>
+          </a:prstGeom>
+        </p:spPr>
+        <p:txBody>
+          <a:bodyPr vert="horz" lIns="91440" tIns="45720" rIns="91440" bIns="45720" rtlCol="0"/>
+          <a:lstStyle>
+            <a:lvl1pPr algn="l">
+              <a:defRPr sz="1200"/>
+            </a:lvl1pPr>
+          </a:lstStyle>
+          <a:p>
+            <a:endParaRPr lang="en-IN"/>
+          </a:p>
+        </p:txBody>
+      </p:sp>
+      <p:sp>
+        <p:nvSpPr>
+          <p:cNvPr id="3" name="Date Placeholder 2"/>
+          <p:cNvSpPr>
+            <a:spLocks noGrp="1"/>
+          </p:cNvSpPr>
+          <p:nvPr>
+            <p:ph type="dt" idx="1"/>
+          </p:nvPr>
+        </p:nvSpPr>
+        <p:spPr>
+          <a:xfrm>
+            <a:off x="3884613" y="0"/>
+            <a:ext cx="2971800" cy="458788"/>
+          </a:xfrm>
+          <a:prstGeom prst="rect">
+            <a:avLst/>
+          </a:prstGeom>
+        </p:spPr>
+        <p:txBody>
+          <a:bodyPr vert="horz" lIns="91440" tIns="45720" rIns="91440" bIns="45720" rtlCol="0"/>
+          <a:lstStyle>
+            <a:lvl1pPr algn="r">
+              <a:defRPr sz="1200"/>
+            </a:lvl1pPr>
+          </a:lstStyle>
+          <a:p>
+            <a:fld id="{09E4776B-EF51-45DB-8713-19B7DB313E44}" type="datetimeFigureOut">
+              <a:rPr lang="en-IN" smtClean="0"/>
+              <a:t>17-07-2019</a:t>
+            </a:fld>
+            <a:endParaRPr lang="en-IN"/>
+          </a:p>
+        </p:txBody>
+      </p:sp>
+      <p:sp>
+        <p:nvSpPr>
+          <p:cNvPr id="4" name="Slide Image Placeholder 3"/>
+          <p:cNvSpPr>
+            <a:spLocks noGrp="1" noRot="1" noChangeAspect="1"/>
+          </p:cNvSpPr>
+          <p:nvPr>
+            <p:ph type="sldImg" idx="2"/>
+          </p:nvPr>
+        </p:nvSpPr>
+        <p:spPr>
+          <a:xfrm>
+            <a:off x="685800" y="1143000"/>
+            <a:ext cx="5486400" cy="3086100"/>
+          </a:xfrm>
+          <a:prstGeom prst="rect">
+            <a:avLst/>
+          </a:prstGeom>
+          <a:noFill/>
+          <a:ln w="12700">
+            <a:solidFill>
+              <a:prstClr val="black"/>
+            </a:solidFill>
+          </a:ln>
+        </p:spPr>
+        <p:txBody>
+          <a:bodyPr vert="horz" lIns="91440" tIns="45720" rIns="91440" bIns="45720" rtlCol="0" anchor="ctr"/>
+          <a:lstStyle/>
+          <a:p>
+            <a:endParaRPr lang="en-IN"/>
+          </a:p>
+        </p:txBody>
+      </p:sp>
+      <p:sp>
+        <p:nvSpPr>
+          <p:cNvPr id="5" name="Notes Placeholder 4"/>
+          <p:cNvSpPr>
+            <a:spLocks noGrp="1"/>
+          </p:cNvSpPr>
+          <p:nvPr>
+            <p:ph type="body" sz="quarter" idx="3"/>
+          </p:nvPr>
+        </p:nvSpPr>
+        <p:spPr>
+          <a:xfrm>
+            <a:off x="685800" y="4400550"/>
+            <a:ext cx="5486400" cy="3600450"/>
+          </a:xfrm>
+          <a:prstGeom prst="rect">
+            <a:avLst/>
+          </a:prstGeom>
+        </p:spPr>
+        <p:txBody>
+          <a:bodyPr vert="horz" lIns="91440" tIns="45720" rIns="91440" bIns="45720" rtlCol="0"/>
+          <a:lstStyle/>
+          <a:p>
+            <a:pPr lvl="0"/>
+            <a:r>
+              <a:rPr lang="en-US"/>
+              <a:t>Click to edit Master text styles</a:t>
+            </a:r>
+          </a:p>
+          <a:p>
+            <a:pPr lvl="1"/>
+            <a:r>
+              <a:rPr lang="en-US"/>
+              <a:t>Second level</a:t>
+            </a:r>
+          </a:p>
+          <a:p>
+            <a:pPr lvl="2"/>
+            <a:r>
+              <a:rPr lang="en-US"/>
+              <a:t>Third level</a:t>
+            </a:r>
+          </a:p>
+          <a:p>
+            <a:pPr lvl="3"/>
+            <a:r>
+              <a:rPr lang="en-US"/>
+              <a:t>Fourth level</a:t>
+            </a:r>
+          </a:p>
+          <a:p>
+            <a:pPr lvl="4"/>
+            <a:r>
+              <a:rPr lang="en-US"/>
+              <a:t>Fifth level</a:t>
+            </a:r>
+            <a:endParaRPr lang="en-IN"/>
+          </a:p>
+        </p:txBody>
+      </p:sp>
+      <p:sp>
+        <p:nvSpPr>
+          <p:cNvPr id="6" name="Footer Placeholder 5"/>
+          <p:cNvSpPr>
+            <a:spLocks noGrp="1"/>
+          </p:cNvSpPr>
+          <p:nvPr>
+            <p:ph type="ftr" sz="quarter" idx="4"/>
+          </p:nvPr>
+        </p:nvSpPr>
+        <p:spPr>
+          <a:xfrm>
+            <a:off x="0" y="8685213"/>
+            <a:ext cx="2971800" cy="458787"/>
+          </a:xfrm>
+          <a:prstGeom prst="rect">
+            <a:avLst/>
+          </a:prstGeom>
+        </p:spPr>
+        <p:txBody>
+          <a:bodyPr vert="horz" lIns="91440" tIns="45720" rIns="91440" bIns="45720" rtlCol="0" anchor="b"/>
+          <a:lstStyle>
+            <a:lvl1pPr algn="l">
+              <a:defRPr sz="1200"/>
+            </a:lvl1pPr>
+          </a:lstStyle>
+          <a:p>
+            <a:endParaRPr lang="en-IN"/>
+          </a:p>
+        </p:txBody>
+      </p:sp>
+      <p:sp>
+        <p:nvSpPr>
+          <p:cNvPr id="7" name="Slide Number Placeholder 6"/>
+          <p:cNvSpPr>
+            <a:spLocks noGrp="1"/>
+          </p:cNvSpPr>
+          <p:nvPr>
+            <p:ph type="sldNum" sz="quarter" idx="5"/>
+          </p:nvPr>
+        </p:nvSpPr>
+        <p:spPr>
+          <a:xfrm>
+            <a:off x="3884613" y="8685213"/>
+            <a:ext cx="2971800" cy="458787"/>
+          </a:xfrm>
+          <a:prstGeom prst="rect">
+            <a:avLst/>
+          </a:prstGeom>
+        </p:spPr>
+        <p:txBody>
+          <a:bodyPr vert="horz" lIns="91440" tIns="45720" rIns="91440" bIns="45720" rtlCol="0" anchor="b"/>
+          <a:lstStyle>
+            <a:lvl1pPr algn="r">
+              <a:defRPr sz="1200"/>
+            </a:lvl1pPr>
+          </a:lstStyle>
+          <a:p>
+            <a:fld id="{7236CCD8-A947-4584-9CD3-83D590CA3A47}" type="slidenum">
+              <a:rPr lang="en-IN" smtClean="0"/>
+              <a:t>‹#›</a:t>
+            </a:fld>
+            <a:endParaRPr lang="en-IN"/>
+          </a:p>
+        </p:txBody>
+      </p:sp>
+    </p:spTree>
+    <p:extLst>
+      <p:ext uri="{BB962C8B-B14F-4D97-AF65-F5344CB8AC3E}">
+        <p14:creationId xmlns:p14="http://schemas.microsoft.com/office/powerpoint/2010/main" val="521869613"/>
+      </p:ext>
+    </p:extLst>
+  </p:cSld>
+  <p:clrMap bg1="lt1" tx1="dk1" bg2="lt2" tx2="dk2" accent1="accent1" accent2="accent2" accent3="accent3" accent4="accent4" accent5="accent5" accent6="accent6" hlink="hlink" folHlink="folHlink"/>
+  <p:notesStyle>
+    <a:lvl1pPr marL="0" algn="l" defTabSz="914400" rtl="0" eaLnBrk="1" latinLnBrk="0" hangingPunct="1">
+      <a:defRPr sz="1200" kern="1200">
+        <a:solidFill>
+          <a:schemeClr val="tx1"/>
+        </a:solidFill>
+        <a:latin typeface="+mn-lt"/>
+        <a:ea typeface="+mn-ea"/>
+        <a:cs typeface="+mn-cs"/>
+      </a:defRPr>
+    </a:lvl1pPr>
+    <a:lvl2pPr marL="457200" algn="l" defTabSz="914400" rtl="0" eaLnBrk="1" latinLnBrk="0" hangingPunct="1">
+      <a:defRPr sz="1200" kern="1200">
+        <a:solidFill>
+          <a:schemeClr val="tx1"/>
+        </a:solidFill>
+        <a:latin typeface="+mn-lt"/>
+        <a:ea typeface="+mn-ea"/>
+        <a:cs typeface="+mn-cs"/>
+      </a:defRPr>
+    </a:lvl2pPr>
+    <a:lvl3pPr marL="914400" algn="l" defTabSz="914400" rtl="0" eaLnBrk="1" latinLnBrk="0" hangingPunct="1">
+      <a:defRPr sz="1200" kern="1200">
+        <a:solidFill>
+          <a:schemeClr val="tx1"/>
+        </a:solidFill>
+        <a:latin typeface="+mn-lt"/>
+        <a:ea typeface="+mn-ea"/>
+        <a:cs typeface="+mn-cs"/>
+      </a:defRPr>
+    </a:lvl3pPr>
+    <a:lvl4pPr marL="1371600" algn="l" defTabSz="914400" rtl="0" eaLnBrk="1" latinLnBrk="0" hangingPunct="1">
+      <a:defRPr sz="1200" kern="1200">
+        <a:solidFill>
+          <a:schemeClr val="tx1"/>
+        </a:solidFill>
+        <a:latin typeface="+mn-lt"/>
+        <a:ea typeface="+mn-ea"/>
+        <a:cs typeface="+mn-cs"/>
+      </a:defRPr>
+    </a:lvl4pPr>
+    <a:lvl5pPr marL="1828800" algn="l" defTabSz="914400" rtl="0" eaLnBrk="1" latinLnBrk="0" hangingPunct="1">
+      <a:defRPr sz="1200" kern="1200">
+        <a:solidFill>
+          <a:schemeClr val="tx1"/>
+        </a:solidFill>
+        <a:latin typeface="+mn-lt"/>
+        <a:ea typeface="+mn-ea"/>
+        <a:cs typeface="+mn-cs"/>
+      </a:defRPr>
+    </a:lvl5pPr>
+    <a:lvl6pPr marL="2286000" algn="l" defTabSz="914400" rtl="0" eaLnBrk="1" latinLnBrk="0" hangingPunct="1">
+      <a:defRPr sz="1200" kern="1200">
+        <a:solidFill>
+          <a:schemeClr val="tx1"/>
+        </a:solidFill>
+        <a:latin typeface="+mn-lt"/>
+        <a:ea typeface="+mn-ea"/>
+        <a:cs typeface="+mn-cs"/>
+      </a:defRPr>
+    </a:lvl6pPr>
+    <a:lvl7pPr marL="2743200" algn="l" defTabSz="914400" rtl="0" eaLnBrk="1" latinLnBrk="0" hangingPunct="1">
+      <a:defRPr sz="1200" kern="1200">
+        <a:solidFill>
+          <a:schemeClr val="tx1"/>
+        </a:solidFill>
+        <a:latin typeface="+mn-lt"/>
+        <a:ea typeface="+mn-ea"/>
+        <a:cs typeface="+mn-cs"/>
+      </a:defRPr>
+    </a:lvl7pPr>
+    <a:lvl8pPr marL="3200400" algn="l" defTabSz="914400" rtl="0" eaLnBrk="1" latinLnBrk="0" hangingPunct="1">
+      <a:defRPr sz="1200" kern="1200">
+        <a:solidFill>
+          <a:schemeClr val="tx1"/>
+        </a:solidFill>
+        <a:latin typeface="+mn-lt"/>
+        <a:ea typeface="+mn-ea"/>
+        <a:cs typeface="+mn-cs"/>
+      </a:defRPr>
+    </a:lvl8pPr>
+    <a:lvl9pPr marL="3657600" algn="l" defTabSz="914400" rtl="0" eaLnBrk="1" latinLnBrk="0" hangingPunct="1">
+      <a:defRPr sz="1200" kern="1200">
+        <a:solidFill>
+          <a:schemeClr val="tx1"/>
+        </a:solidFill>
+        <a:latin typeface="+mn-lt"/>
+        <a:ea typeface="+mn-ea"/>
+        <a:cs typeface="+mn-cs"/>
+      </a:defRPr>
+    </a:lvl9pPr>
+  </p:notesStyle>
+</p:notesMaster>
+</file>
+
 <file path=ppt/slideLayouts/slideLayout1.xml><?xml version="1.0" encoding="utf-8"?>
 <p:sldLayout xmlns:a="http://schemas.openxmlformats.org/drawingml/2006/main" xmlns:r="http://schemas.openxmlformats.org/officeDocument/2006/relationships" xmlns:p="http://schemas.openxmlformats.org/presentationml/2006/main" type="title" preserve="1">
   <p:cSld name="Title Slide">
@@ -324,9 +677,9 @@
             </a:lvl1pPr>
           </a:lstStyle>
           <a:p>
-            <a:fld id="{FEB86501-4FF7-49B5-A906-9ACDDA06D7F4}" type="datetimeFigureOut">
+            <a:fld id="{E449BAFC-D402-4284-AF87-CE16CD752CD9}" type="datetime1">
               <a:rPr lang="en-IN" smtClean="0"/>
-              <a:t>16-07-2019</a:t>
+              <a:t>17-07-2019</a:t>
             </a:fld>
             <a:endParaRPr lang="en-IN"/>
           </a:p>
@@ -514,9 +867,9 @@
           <a:bodyPr/>
           <a:lstStyle/>
           <a:p>
-            <a:fld id="{FEB86501-4FF7-49B5-A906-9ACDDA06D7F4}" type="datetimeFigureOut">
+            <a:fld id="{3BEF824A-C123-4A6E-AC20-DB98B6FEB8DE}" type="datetime1">
               <a:rPr lang="en-IN" smtClean="0"/>
-              <a:t>16-07-2019</a:t>
+              <a:t>17-07-2019</a:t>
             </a:fld>
             <a:endParaRPr lang="en-IN"/>
           </a:p>
@@ -694,9 +1047,9 @@
           <a:bodyPr/>
           <a:lstStyle/>
           <a:p>
-            <a:fld id="{FEB86501-4FF7-49B5-A906-9ACDDA06D7F4}" type="datetimeFigureOut">
+            <a:fld id="{542C6604-CE64-46CB-AF9A-C07FA2F39938}" type="datetime1">
               <a:rPr lang="en-IN" smtClean="0"/>
-              <a:t>16-07-2019</a:t>
+              <a:t>17-07-2019</a:t>
             </a:fld>
             <a:endParaRPr lang="en-IN"/>
           </a:p>
@@ -864,9 +1217,9 @@
           <a:bodyPr/>
           <a:lstStyle/>
           <a:p>
-            <a:fld id="{FEB86501-4FF7-49B5-A906-9ACDDA06D7F4}" type="datetimeFigureOut">
+            <a:fld id="{95CF9551-6940-4CAF-9B72-ABD933920442}" type="datetime1">
               <a:rPr lang="en-IN" smtClean="0"/>
-              <a:t>16-07-2019</a:t>
+              <a:t>17-07-2019</a:t>
             </a:fld>
             <a:endParaRPr lang="en-IN"/>
           </a:p>
@@ -1120,9 +1473,9 @@
           <a:bodyPr/>
           <a:lstStyle/>
           <a:p>
-            <a:fld id="{FEB86501-4FF7-49B5-A906-9ACDDA06D7F4}" type="datetimeFigureOut">
+            <a:fld id="{D2BF7EB6-9043-4E65-94B0-3E9E780648EF}" type="datetime1">
               <a:rPr lang="en-IN" smtClean="0"/>
-              <a:t>16-07-2019</a:t>
+              <a:t>17-07-2019</a:t>
             </a:fld>
             <a:endParaRPr lang="en-IN"/>
           </a:p>
@@ -1408,9 +1761,9 @@
           <a:bodyPr/>
           <a:lstStyle/>
           <a:p>
-            <a:fld id="{FEB86501-4FF7-49B5-A906-9ACDDA06D7F4}" type="datetimeFigureOut">
+            <a:fld id="{68DD52DA-408B-499B-92AD-48199175DD2F}" type="datetime1">
               <a:rPr lang="en-IN" smtClean="0"/>
-              <a:t>16-07-2019</a:t>
+              <a:t>17-07-2019</a:t>
             </a:fld>
             <a:endParaRPr lang="en-IN"/>
           </a:p>
@@ -1846,9 +2199,9 @@
           <a:bodyPr/>
           <a:lstStyle/>
           <a:p>
-            <a:fld id="{FEB86501-4FF7-49B5-A906-9ACDDA06D7F4}" type="datetimeFigureOut">
+            <a:fld id="{8F414593-9710-4EB6-A4B0-409FBBEB1D6C}" type="datetime1">
               <a:rPr lang="en-IN" smtClean="0"/>
-              <a:t>16-07-2019</a:t>
+              <a:t>17-07-2019</a:t>
             </a:fld>
             <a:endParaRPr lang="en-IN"/>
           </a:p>
@@ -1964,9 +2317,9 @@
           <a:bodyPr/>
           <a:lstStyle/>
           <a:p>
-            <a:fld id="{FEB86501-4FF7-49B5-A906-9ACDDA06D7F4}" type="datetimeFigureOut">
+            <a:fld id="{FA063213-D158-4848-AC44-1C83D0240393}" type="datetime1">
               <a:rPr lang="en-IN" smtClean="0"/>
-              <a:t>16-07-2019</a:t>
+              <a:t>17-07-2019</a:t>
             </a:fld>
             <a:endParaRPr lang="en-IN"/>
           </a:p>
@@ -2059,9 +2412,9 @@
           <a:bodyPr/>
           <a:lstStyle/>
           <a:p>
-            <a:fld id="{FEB86501-4FF7-49B5-A906-9ACDDA06D7F4}" type="datetimeFigureOut">
+            <a:fld id="{04F4558D-B1BB-4D56-AA96-38E8CC352E68}" type="datetime1">
               <a:rPr lang="en-IN" smtClean="0"/>
-              <a:t>16-07-2019</a:t>
+              <a:t>17-07-2019</a:t>
             </a:fld>
             <a:endParaRPr lang="en-IN"/>
           </a:p>
@@ -2415,9 +2768,9 @@
           <a:bodyPr/>
           <a:lstStyle/>
           <a:p>
-            <a:fld id="{FEB86501-4FF7-49B5-A906-9ACDDA06D7F4}" type="datetimeFigureOut">
+            <a:fld id="{1C50F2DB-8891-4D21-AE50-248328F02C49}" type="datetime1">
               <a:rPr lang="en-IN" smtClean="0"/>
-              <a:t>16-07-2019</a:t>
+              <a:t>17-07-2019</a:t>
             </a:fld>
             <a:endParaRPr lang="en-IN"/>
           </a:p>
@@ -2731,9 +3084,9 @@
             </a:lvl1pPr>
           </a:lstStyle>
           <a:p>
-            <a:fld id="{FEB86501-4FF7-49B5-A906-9ACDDA06D7F4}" type="datetimeFigureOut">
+            <a:fld id="{EC750202-7E38-40CF-B4C4-5B7DA6430FD3}" type="datetime1">
               <a:rPr lang="en-IN" smtClean="0"/>
-              <a:t>16-07-2019</a:t>
+              <a:t>17-07-2019</a:t>
             </a:fld>
             <a:endParaRPr lang="en-IN"/>
           </a:p>
@@ -2964,9 +3317,9 @@
             </a:lvl1pPr>
           </a:lstStyle>
           <a:p>
-            <a:fld id="{FEB86501-4FF7-49B5-A906-9ACDDA06D7F4}" type="datetimeFigureOut">
+            <a:fld id="{1A23E4A8-EB64-4D35-8780-817EE61E612B}" type="datetime1">
               <a:rPr lang="en-IN" smtClean="0"/>
-              <a:t>16-07-2019</a:t>
+              <a:t>17-07-2019</a:t>
             </a:fld>
             <a:endParaRPr lang="en-IN"/>
           </a:p>
@@ -3075,6 +3428,7 @@
     <p:sldLayoutId id="2147483706" r:id="rId10"/>
     <p:sldLayoutId id="2147483707" r:id="rId11"/>
   </p:sldLayoutIdLst>
+  <p:hf hdr="0" ftr="0" dt="0"/>
   <p:txStyles>
     <p:titleStyle>
       <a:lvl1pPr algn="l" defTabSz="914400" rtl="0" eaLnBrk="1" latinLnBrk="0" hangingPunct="1">
@@ -3709,6 +4063,40 @@
           </a:p>
         </p:txBody>
       </p:sp>
+      <p:sp>
+        <p:nvSpPr>
+          <p:cNvPr id="8" name="Slide Number Placeholder 7">
+            <a:extLst>
+              <a:ext uri="{FF2B5EF4-FFF2-40B4-BE49-F238E27FC236}">
+                <a16:creationId xmlns:a16="http://schemas.microsoft.com/office/drawing/2014/main" id="{6033D695-A636-47E8-BA43-65566A3360AC}"/>
+              </a:ext>
+            </a:extLst>
+          </p:cNvPr>
+          <p:cNvSpPr>
+            <a:spLocks noGrp="1"/>
+          </p:cNvSpPr>
+          <p:nvPr>
+            <p:ph type="sldNum" sz="quarter" idx="12"/>
+          </p:nvPr>
+        </p:nvSpPr>
+        <p:spPr>
+          <a:xfrm>
+            <a:off x="9501447" y="5965512"/>
+            <a:ext cx="2188559" cy="1307939"/>
+          </a:xfrm>
+        </p:spPr>
+        <p:txBody>
+          <a:bodyPr/>
+          <a:lstStyle/>
+          <a:p>
+            <a:fld id="{B90C0261-7933-432D-8FE5-D8506305C951}" type="slidenum">
+              <a:rPr lang="en-IN" smtClean="0"/>
+              <a:t>1</a:t>
+            </a:fld>
+            <a:endParaRPr lang="en-IN" dirty="0"/>
+          </a:p>
+        </p:txBody>
+      </p:sp>
     </p:spTree>
     <p:extLst>
       <p:ext uri="{BB962C8B-B14F-4D97-AF65-F5344CB8AC3E}">
@@ -3852,6 +4240,35 @@
           </a:p>
         </p:txBody>
       </p:sp>
+      <p:sp>
+        <p:nvSpPr>
+          <p:cNvPr id="4" name="Slide Number Placeholder 3">
+            <a:extLst>
+              <a:ext uri="{FF2B5EF4-FFF2-40B4-BE49-F238E27FC236}">
+                <a16:creationId xmlns:a16="http://schemas.microsoft.com/office/drawing/2014/main" id="{F2069D28-99EB-45CD-B943-0B31D75F1EED}"/>
+              </a:ext>
+            </a:extLst>
+          </p:cNvPr>
+          <p:cNvSpPr>
+            <a:spLocks noGrp="1"/>
+          </p:cNvSpPr>
+          <p:nvPr>
+            <p:ph type="sldNum" sz="quarter" idx="12"/>
+          </p:nvPr>
+        </p:nvSpPr>
+        <p:spPr/>
+        <p:txBody>
+          <a:bodyPr/>
+          <a:lstStyle/>
+          <a:p>
+            <a:fld id="{B90C0261-7933-432D-8FE5-D8506305C951}" type="slidenum">
+              <a:rPr lang="en-IN" smtClean="0"/>
+              <a:t>10</a:t>
+            </a:fld>
+            <a:endParaRPr lang="en-IN"/>
+          </a:p>
+        </p:txBody>
+      </p:sp>
     </p:spTree>
     <p:extLst>
       <p:ext uri="{BB962C8B-B14F-4D97-AF65-F5344CB8AC3E}">
@@ -3953,6 +4370,35 @@
           </a:p>
         </p:txBody>
       </p:sp>
+      <p:sp>
+        <p:nvSpPr>
+          <p:cNvPr id="4" name="Slide Number Placeholder 3">
+            <a:extLst>
+              <a:ext uri="{FF2B5EF4-FFF2-40B4-BE49-F238E27FC236}">
+                <a16:creationId xmlns:a16="http://schemas.microsoft.com/office/drawing/2014/main" id="{8D16D71E-5405-48EC-ABD7-8DF0A5BB0725}"/>
+              </a:ext>
+            </a:extLst>
+          </p:cNvPr>
+          <p:cNvSpPr>
+            <a:spLocks noGrp="1"/>
+          </p:cNvSpPr>
+          <p:nvPr>
+            <p:ph type="sldNum" sz="quarter" idx="12"/>
+          </p:nvPr>
+        </p:nvSpPr>
+        <p:spPr/>
+        <p:txBody>
+          <a:bodyPr/>
+          <a:lstStyle/>
+          <a:p>
+            <a:fld id="{B90C0261-7933-432D-8FE5-D8506305C951}" type="slidenum">
+              <a:rPr lang="en-IN" smtClean="0"/>
+              <a:t>11</a:t>
+            </a:fld>
+            <a:endParaRPr lang="en-IN"/>
+          </a:p>
+        </p:txBody>
+      </p:sp>
     </p:spTree>
     <p:extLst>
       <p:ext uri="{BB962C8B-B14F-4D97-AF65-F5344CB8AC3E}">
@@ -4051,6 +4497,35 @@
           </a:xfrm>
         </p:spPr>
       </p:pic>
+      <p:sp>
+        <p:nvSpPr>
+          <p:cNvPr id="3" name="Slide Number Placeholder 2">
+            <a:extLst>
+              <a:ext uri="{FF2B5EF4-FFF2-40B4-BE49-F238E27FC236}">
+                <a16:creationId xmlns:a16="http://schemas.microsoft.com/office/drawing/2014/main" id="{FCDFBFBF-2BB6-40D2-B322-57F157CCB2D3}"/>
+              </a:ext>
+            </a:extLst>
+          </p:cNvPr>
+          <p:cNvSpPr>
+            <a:spLocks noGrp="1"/>
+          </p:cNvSpPr>
+          <p:nvPr>
+            <p:ph type="sldNum" sz="quarter" idx="12"/>
+          </p:nvPr>
+        </p:nvSpPr>
+        <p:spPr/>
+        <p:txBody>
+          <a:bodyPr/>
+          <a:lstStyle/>
+          <a:p>
+            <a:fld id="{B90C0261-7933-432D-8FE5-D8506305C951}" type="slidenum">
+              <a:rPr lang="en-IN" smtClean="0"/>
+              <a:t>12</a:t>
+            </a:fld>
+            <a:endParaRPr lang="en-IN"/>
+          </a:p>
+        </p:txBody>
+      </p:sp>
     </p:spTree>
     <p:extLst>
       <p:ext uri="{BB962C8B-B14F-4D97-AF65-F5344CB8AC3E}">
@@ -4149,6 +4624,35 @@
           </a:xfrm>
         </p:spPr>
       </p:pic>
+      <p:sp>
+        <p:nvSpPr>
+          <p:cNvPr id="3" name="Slide Number Placeholder 2">
+            <a:extLst>
+              <a:ext uri="{FF2B5EF4-FFF2-40B4-BE49-F238E27FC236}">
+                <a16:creationId xmlns:a16="http://schemas.microsoft.com/office/drawing/2014/main" id="{3B5A3B12-6009-4C4E-B001-AD6BD80DFBE1}"/>
+              </a:ext>
+            </a:extLst>
+          </p:cNvPr>
+          <p:cNvSpPr>
+            <a:spLocks noGrp="1"/>
+          </p:cNvSpPr>
+          <p:nvPr>
+            <p:ph type="sldNum" sz="quarter" idx="12"/>
+          </p:nvPr>
+        </p:nvSpPr>
+        <p:spPr/>
+        <p:txBody>
+          <a:bodyPr/>
+          <a:lstStyle/>
+          <a:p>
+            <a:fld id="{B90C0261-7933-432D-8FE5-D8506305C951}" type="slidenum">
+              <a:rPr lang="en-IN" smtClean="0"/>
+              <a:t>13</a:t>
+            </a:fld>
+            <a:endParaRPr lang="en-IN"/>
+          </a:p>
+        </p:txBody>
+      </p:sp>
     </p:spTree>
     <p:extLst>
       <p:ext uri="{BB962C8B-B14F-4D97-AF65-F5344CB8AC3E}">
@@ -4247,6 +4751,35 @@
           </a:xfrm>
         </p:spPr>
       </p:pic>
+      <p:sp>
+        <p:nvSpPr>
+          <p:cNvPr id="3" name="Slide Number Placeholder 2">
+            <a:extLst>
+              <a:ext uri="{FF2B5EF4-FFF2-40B4-BE49-F238E27FC236}">
+                <a16:creationId xmlns:a16="http://schemas.microsoft.com/office/drawing/2014/main" id="{B4BFC27D-038E-4720-B5E2-D4ED4EC055E3}"/>
+              </a:ext>
+            </a:extLst>
+          </p:cNvPr>
+          <p:cNvSpPr>
+            <a:spLocks noGrp="1"/>
+          </p:cNvSpPr>
+          <p:nvPr>
+            <p:ph type="sldNum" sz="quarter" idx="12"/>
+          </p:nvPr>
+        </p:nvSpPr>
+        <p:spPr/>
+        <p:txBody>
+          <a:bodyPr/>
+          <a:lstStyle/>
+          <a:p>
+            <a:fld id="{B90C0261-7933-432D-8FE5-D8506305C951}" type="slidenum">
+              <a:rPr lang="en-IN" smtClean="0"/>
+              <a:t>14</a:t>
+            </a:fld>
+            <a:endParaRPr lang="en-IN"/>
+          </a:p>
+        </p:txBody>
+      </p:sp>
     </p:spTree>
     <p:extLst>
       <p:ext uri="{BB962C8B-B14F-4D97-AF65-F5344CB8AC3E}">
@@ -4374,6 +4907,35 @@
           </a:p>
         </p:txBody>
       </p:sp>
+      <p:sp>
+        <p:nvSpPr>
+          <p:cNvPr id="4" name="Slide Number Placeholder 3">
+            <a:extLst>
+              <a:ext uri="{FF2B5EF4-FFF2-40B4-BE49-F238E27FC236}">
+                <a16:creationId xmlns:a16="http://schemas.microsoft.com/office/drawing/2014/main" id="{BD6E1CE2-A57D-4B96-8904-C5B5E192277E}"/>
+              </a:ext>
+            </a:extLst>
+          </p:cNvPr>
+          <p:cNvSpPr>
+            <a:spLocks noGrp="1"/>
+          </p:cNvSpPr>
+          <p:nvPr>
+            <p:ph type="sldNum" sz="quarter" idx="12"/>
+          </p:nvPr>
+        </p:nvSpPr>
+        <p:spPr/>
+        <p:txBody>
+          <a:bodyPr/>
+          <a:lstStyle/>
+          <a:p>
+            <a:fld id="{B90C0261-7933-432D-8FE5-D8506305C951}" type="slidenum">
+              <a:rPr lang="en-IN" smtClean="0"/>
+              <a:t>15</a:t>
+            </a:fld>
+            <a:endParaRPr lang="en-IN"/>
+          </a:p>
+        </p:txBody>
+      </p:sp>
     </p:spTree>
     <p:extLst>
       <p:ext uri="{BB962C8B-B14F-4D97-AF65-F5344CB8AC3E}">
@@ -4558,6 +5120,35 @@
           </a:p>
         </p:txBody>
       </p:sp>
+      <p:sp>
+        <p:nvSpPr>
+          <p:cNvPr id="4" name="Slide Number Placeholder 3">
+            <a:extLst>
+              <a:ext uri="{FF2B5EF4-FFF2-40B4-BE49-F238E27FC236}">
+                <a16:creationId xmlns:a16="http://schemas.microsoft.com/office/drawing/2014/main" id="{8C5516C9-6483-492D-8FEB-EF939528D0C3}"/>
+              </a:ext>
+            </a:extLst>
+          </p:cNvPr>
+          <p:cNvSpPr>
+            <a:spLocks noGrp="1"/>
+          </p:cNvSpPr>
+          <p:nvPr>
+            <p:ph type="sldNum" sz="quarter" idx="12"/>
+          </p:nvPr>
+        </p:nvSpPr>
+        <p:spPr/>
+        <p:txBody>
+          <a:bodyPr/>
+          <a:lstStyle/>
+          <a:p>
+            <a:fld id="{B90C0261-7933-432D-8FE5-D8506305C951}" type="slidenum">
+              <a:rPr lang="en-IN" smtClean="0"/>
+              <a:t>2</a:t>
+            </a:fld>
+            <a:endParaRPr lang="en-IN"/>
+          </a:p>
+        </p:txBody>
+      </p:sp>
     </p:spTree>
     <p:extLst>
       <p:ext uri="{BB962C8B-B14F-4D97-AF65-F5344CB8AC3E}">
@@ -4730,6 +5321,35 @@
           </a:p>
         </p:txBody>
       </p:sp>
+      <p:sp>
+        <p:nvSpPr>
+          <p:cNvPr id="4" name="Slide Number Placeholder 3">
+            <a:extLst>
+              <a:ext uri="{FF2B5EF4-FFF2-40B4-BE49-F238E27FC236}">
+                <a16:creationId xmlns:a16="http://schemas.microsoft.com/office/drawing/2014/main" id="{A58744B1-115A-499B-BA10-064B22063DB6}"/>
+              </a:ext>
+            </a:extLst>
+          </p:cNvPr>
+          <p:cNvSpPr>
+            <a:spLocks noGrp="1"/>
+          </p:cNvSpPr>
+          <p:nvPr>
+            <p:ph type="sldNum" sz="quarter" idx="12"/>
+          </p:nvPr>
+        </p:nvSpPr>
+        <p:spPr/>
+        <p:txBody>
+          <a:bodyPr/>
+          <a:lstStyle/>
+          <a:p>
+            <a:fld id="{B90C0261-7933-432D-8FE5-D8506305C951}" type="slidenum">
+              <a:rPr lang="en-IN" smtClean="0"/>
+              <a:t>3</a:t>
+            </a:fld>
+            <a:endParaRPr lang="en-IN"/>
+          </a:p>
+        </p:txBody>
+      </p:sp>
     </p:spTree>
     <p:extLst>
       <p:ext uri="{BB962C8B-B14F-4D97-AF65-F5344CB8AC3E}">
@@ -4892,6 +5512,35 @@
           </a:p>
         </p:txBody>
       </p:sp>
+      <p:sp>
+        <p:nvSpPr>
+          <p:cNvPr id="4" name="Slide Number Placeholder 3">
+            <a:extLst>
+              <a:ext uri="{FF2B5EF4-FFF2-40B4-BE49-F238E27FC236}">
+                <a16:creationId xmlns:a16="http://schemas.microsoft.com/office/drawing/2014/main" id="{EC2271AE-5713-4C21-9977-1BA8574AA2E0}"/>
+              </a:ext>
+            </a:extLst>
+          </p:cNvPr>
+          <p:cNvSpPr>
+            <a:spLocks noGrp="1"/>
+          </p:cNvSpPr>
+          <p:nvPr>
+            <p:ph type="sldNum" sz="quarter" idx="12"/>
+          </p:nvPr>
+        </p:nvSpPr>
+        <p:spPr/>
+        <p:txBody>
+          <a:bodyPr/>
+          <a:lstStyle/>
+          <a:p>
+            <a:fld id="{B90C0261-7933-432D-8FE5-D8506305C951}" type="slidenum">
+              <a:rPr lang="en-IN" smtClean="0"/>
+              <a:t>4</a:t>
+            </a:fld>
+            <a:endParaRPr lang="en-IN"/>
+          </a:p>
+        </p:txBody>
+      </p:sp>
     </p:spTree>
     <p:extLst>
       <p:ext uri="{BB962C8B-B14F-4D97-AF65-F5344CB8AC3E}">
@@ -5010,6 +5659,35 @@
           </a:p>
         </p:txBody>
       </p:sp>
+      <p:sp>
+        <p:nvSpPr>
+          <p:cNvPr id="4" name="Slide Number Placeholder 3">
+            <a:extLst>
+              <a:ext uri="{FF2B5EF4-FFF2-40B4-BE49-F238E27FC236}">
+                <a16:creationId xmlns:a16="http://schemas.microsoft.com/office/drawing/2014/main" id="{112030E3-FEDE-4055-8DB1-82BDAA484091}"/>
+              </a:ext>
+            </a:extLst>
+          </p:cNvPr>
+          <p:cNvSpPr>
+            <a:spLocks noGrp="1"/>
+          </p:cNvSpPr>
+          <p:nvPr>
+            <p:ph type="sldNum" sz="quarter" idx="12"/>
+          </p:nvPr>
+        </p:nvSpPr>
+        <p:spPr/>
+        <p:txBody>
+          <a:bodyPr/>
+          <a:lstStyle/>
+          <a:p>
+            <a:fld id="{B90C0261-7933-432D-8FE5-D8506305C951}" type="slidenum">
+              <a:rPr lang="en-IN" smtClean="0"/>
+              <a:t>5</a:t>
+            </a:fld>
+            <a:endParaRPr lang="en-IN"/>
+          </a:p>
+        </p:txBody>
+      </p:sp>
     </p:spTree>
     <p:extLst>
       <p:ext uri="{BB962C8B-B14F-4D97-AF65-F5344CB8AC3E}">
@@ -5200,6 +5878,35 @@
           </a:p>
         </p:txBody>
       </p:sp>
+      <p:sp>
+        <p:nvSpPr>
+          <p:cNvPr id="4" name="Slide Number Placeholder 3">
+            <a:extLst>
+              <a:ext uri="{FF2B5EF4-FFF2-40B4-BE49-F238E27FC236}">
+                <a16:creationId xmlns:a16="http://schemas.microsoft.com/office/drawing/2014/main" id="{8CF49CD1-7ED0-44F7-8CA2-F6411C36B448}"/>
+              </a:ext>
+            </a:extLst>
+          </p:cNvPr>
+          <p:cNvSpPr>
+            <a:spLocks noGrp="1"/>
+          </p:cNvSpPr>
+          <p:nvPr>
+            <p:ph type="sldNum" sz="quarter" idx="12"/>
+          </p:nvPr>
+        </p:nvSpPr>
+        <p:spPr/>
+        <p:txBody>
+          <a:bodyPr/>
+          <a:lstStyle/>
+          <a:p>
+            <a:fld id="{B90C0261-7933-432D-8FE5-D8506305C951}" type="slidenum">
+              <a:rPr lang="en-IN" smtClean="0"/>
+              <a:t>6</a:t>
+            </a:fld>
+            <a:endParaRPr lang="en-IN"/>
+          </a:p>
+        </p:txBody>
+      </p:sp>
     </p:spTree>
     <p:extLst>
       <p:ext uri="{BB962C8B-B14F-4D97-AF65-F5344CB8AC3E}">
@@ -5304,6 +6011,35 @@
           </a:p>
         </p:txBody>
       </p:sp>
+      <p:sp>
+        <p:nvSpPr>
+          <p:cNvPr id="4" name="Slide Number Placeholder 3">
+            <a:extLst>
+              <a:ext uri="{FF2B5EF4-FFF2-40B4-BE49-F238E27FC236}">
+                <a16:creationId xmlns:a16="http://schemas.microsoft.com/office/drawing/2014/main" id="{7001B280-0B4D-4A00-AF34-88E061214805}"/>
+              </a:ext>
+            </a:extLst>
+          </p:cNvPr>
+          <p:cNvSpPr>
+            <a:spLocks noGrp="1"/>
+          </p:cNvSpPr>
+          <p:nvPr>
+            <p:ph type="sldNum" sz="quarter" idx="12"/>
+          </p:nvPr>
+        </p:nvSpPr>
+        <p:spPr/>
+        <p:txBody>
+          <a:bodyPr/>
+          <a:lstStyle/>
+          <a:p>
+            <a:fld id="{B90C0261-7933-432D-8FE5-D8506305C951}" type="slidenum">
+              <a:rPr lang="en-IN" smtClean="0"/>
+              <a:t>7</a:t>
+            </a:fld>
+            <a:endParaRPr lang="en-IN"/>
+          </a:p>
+        </p:txBody>
+      </p:sp>
     </p:spTree>
     <p:extLst>
       <p:ext uri="{BB962C8B-B14F-4D97-AF65-F5344CB8AC3E}">
@@ -5423,6 +6159,35 @@
               <a:rPr lang="en-IN" dirty="0"/>
               <a:t> A commercial database is used for maintaining the database and the application server take care of the site. In case of a failure, a re-initialization of the program will be done. Also the software design is being done with modularity in mind so that maintainability can be done efficiently</a:t>
             </a:r>
+          </a:p>
+        </p:txBody>
+      </p:sp>
+      <p:sp>
+        <p:nvSpPr>
+          <p:cNvPr id="4" name="Slide Number Placeholder 3">
+            <a:extLst>
+              <a:ext uri="{FF2B5EF4-FFF2-40B4-BE49-F238E27FC236}">
+                <a16:creationId xmlns:a16="http://schemas.microsoft.com/office/drawing/2014/main" id="{E58C2F50-F331-4A4A-AE48-D09034D80EA0}"/>
+              </a:ext>
+            </a:extLst>
+          </p:cNvPr>
+          <p:cNvSpPr>
+            <a:spLocks noGrp="1"/>
+          </p:cNvSpPr>
+          <p:nvPr>
+            <p:ph type="sldNum" sz="quarter" idx="12"/>
+          </p:nvPr>
+        </p:nvSpPr>
+        <p:spPr/>
+        <p:txBody>
+          <a:bodyPr/>
+          <a:lstStyle/>
+          <a:p>
+            <a:fld id="{B90C0261-7933-432D-8FE5-D8506305C951}" type="slidenum">
+              <a:rPr lang="en-IN" smtClean="0"/>
+              <a:t>8</a:t>
+            </a:fld>
+            <a:endParaRPr lang="en-IN"/>
           </a:p>
         </p:txBody>
       </p:sp>
@@ -5526,6 +6291,35 @@
           </a:extLst>
         </p:spPr>
       </p:pic>
+      <p:sp>
+        <p:nvSpPr>
+          <p:cNvPr id="3" name="Slide Number Placeholder 2">
+            <a:extLst>
+              <a:ext uri="{FF2B5EF4-FFF2-40B4-BE49-F238E27FC236}">
+                <a16:creationId xmlns:a16="http://schemas.microsoft.com/office/drawing/2014/main" id="{F7A4CFBA-B65D-436D-AF16-EC65CA59AD34}"/>
+              </a:ext>
+            </a:extLst>
+          </p:cNvPr>
+          <p:cNvSpPr>
+            <a:spLocks noGrp="1"/>
+          </p:cNvSpPr>
+          <p:nvPr>
+            <p:ph type="sldNum" sz="quarter" idx="12"/>
+          </p:nvPr>
+        </p:nvSpPr>
+        <p:spPr/>
+        <p:txBody>
+          <a:bodyPr/>
+          <a:lstStyle/>
+          <a:p>
+            <a:fld id="{B90C0261-7933-432D-8FE5-D8506305C951}" type="slidenum">
+              <a:rPr lang="en-IN" smtClean="0"/>
+              <a:t>9</a:t>
+            </a:fld>
+            <a:endParaRPr lang="en-IN"/>
+          </a:p>
+        </p:txBody>
+      </p:sp>
     </p:spTree>
     <p:extLst>
       <p:ext uri="{BB962C8B-B14F-4D97-AF65-F5344CB8AC3E}">
@@ -5774,4 +6568,299 @@
     </a:ext>
   </a:extLst>
 </a:theme>
+</file>
+
+<file path=ppt/theme/theme2.xml><?xml version="1.0" encoding="utf-8"?>
+<a:theme xmlns:a="http://schemas.openxmlformats.org/drawingml/2006/main" name="Office Theme">
+  <a:themeElements>
+    <a:clrScheme name="Office">
+      <a:dk1>
+        <a:sysClr val="windowText" lastClr="000000"/>
+      </a:dk1>
+      <a:lt1>
+        <a:sysClr val="window" lastClr="FFFFFF"/>
+      </a:lt1>
+      <a:dk2>
+        <a:srgbClr val="44546A"/>
+      </a:dk2>
+      <a:lt2>
+        <a:srgbClr val="E7E6E6"/>
+      </a:lt2>
+      <a:accent1>
+        <a:srgbClr val="4472C4"/>
+      </a:accent1>
+      <a:accent2>
+        <a:srgbClr val="ED7D31"/>
+      </a:accent2>
+      <a:accent3>
+        <a:srgbClr val="A5A5A5"/>
+      </a:accent3>
+      <a:accent4>
+        <a:srgbClr val="FFC000"/>
+      </a:accent4>
+      <a:accent5>
+        <a:srgbClr val="5B9BD5"/>
+      </a:accent5>
+      <a:accent6>
+        <a:srgbClr val="70AD47"/>
+      </a:accent6>
+      <a:hlink>
+        <a:srgbClr val="0563C1"/>
+      </a:hlink>
+      <a:folHlink>
+        <a:srgbClr val="954F72"/>
+      </a:folHlink>
+    </a:clrScheme>
+    <a:fontScheme name="Office">
+      <a:majorFont>
+        <a:latin typeface="Calibri Light" panose="020F0302020204030204"/>
+        <a:ea typeface=""/>
+        <a:cs typeface=""/>
+        <a:font script="Jpan" typeface="游ゴシック Light"/>
+        <a:font script="Hang" typeface="맑은 고딕"/>
+        <a:font script="Hans" typeface="等线 Light"/>
+        <a:font script="Hant" typeface="新細明體"/>
+        <a:font script="Arab" typeface="Times New Roman"/>
+        <a:font script="Hebr" typeface="Times New Roman"/>
+        <a:font script="Thai" typeface="Angsana New"/>
+        <a:font script="Ethi" typeface="Nyala"/>
+        <a:font script="Beng" typeface="Vrinda"/>
+        <a:font script="Gujr" typeface="Shruti"/>
+        <a:font script="Khmr" typeface="MoolBoran"/>
+        <a:font script="Knda" typeface="Tunga"/>
+        <a:font script="Guru" typeface="Raavi"/>
+        <a:font script="Cans" typeface="Euphemia"/>
+        <a:font script="Cher" typeface="Plantagenet Cherokee"/>
+        <a:font script="Yiii" typeface="Microsoft Yi Baiti"/>
+        <a:font script="Tibt" typeface="Microsoft Himalaya"/>
+        <a:font script="Thaa" typeface="MV Boli"/>
+        <a:font script="Deva" typeface="Mangal"/>
+        <a:font script="Telu" typeface="Gautami"/>
+        <a:font script="Taml" typeface="Latha"/>
+        <a:font script="Syrc" typeface="Estrangelo Edessa"/>
+        <a:font script="Orya" typeface="Kalinga"/>
+        <a:font script="Mlym" typeface="Kartika"/>
+        <a:font script="Laoo" typeface="DokChampa"/>
+        <a:font script="Sinh" typeface="Iskoola Pota"/>
+        <a:font script="Mong" typeface="Mongolian Baiti"/>
+        <a:font script="Viet" typeface="Times New Roman"/>
+        <a:font script="Uigh" typeface="Microsoft Uighur"/>
+        <a:font script="Geor" typeface="Sylfaen"/>
+        <a:font script="Armn" typeface="Arial"/>
+        <a:font script="Bugi" typeface="Leelawadee UI"/>
+        <a:font script="Bopo" typeface="Microsoft JhengHei"/>
+        <a:font script="Java" typeface="Javanese Text"/>
+        <a:font script="Lisu" typeface="Segoe UI"/>
+        <a:font script="Mymr" typeface="Myanmar Text"/>
+        <a:font script="Nkoo" typeface="Ebrima"/>
+        <a:font script="Olck" typeface="Nirmala UI"/>
+        <a:font script="Osma" typeface="Ebrima"/>
+        <a:font script="Phag" typeface="Phagspa"/>
+        <a:font script="Syrn" typeface="Estrangelo Edessa"/>
+        <a:font script="Syrj" typeface="Estrangelo Edessa"/>
+        <a:font script="Syre" typeface="Estrangelo Edessa"/>
+        <a:font script="Sora" typeface="Nirmala UI"/>
+        <a:font script="Tale" typeface="Microsoft Tai Le"/>
+        <a:font script="Talu" typeface="Microsoft New Tai Lue"/>
+        <a:font script="Tfng" typeface="Ebrima"/>
+      </a:majorFont>
+      <a:minorFont>
+        <a:latin typeface="Calibri" panose="020F0502020204030204"/>
+        <a:ea typeface=""/>
+        <a:cs typeface=""/>
+        <a:font script="Jpan" typeface="游ゴシック"/>
+        <a:font script="Hang" typeface="맑은 고딕"/>
+        <a:font script="Hans" typeface="等线"/>
+        <a:font script="Hant" typeface="新細明體"/>
+        <a:font script="Arab" typeface="Arial"/>
+        <a:font script="Hebr" typeface="Arial"/>
+        <a:font script="Thai" typeface="Cordia New"/>
+        <a:font script="Ethi" typeface="Nyala"/>
+        <a:font script="Beng" typeface="Vrinda"/>
+        <a:font script="Gujr" typeface="Shruti"/>
+        <a:font script="Khmr" typeface="DaunPenh"/>
+        <a:font script="Knda" typeface="Tunga"/>
+        <a:font script="Guru" typeface="Raavi"/>
+        <a:font script="Cans" typeface="Euphemia"/>
+        <a:font script="Cher" typeface="Plantagenet Cherokee"/>
+        <a:font script="Yiii" typeface="Microsoft Yi Baiti"/>
+        <a:font script="Tibt" typeface="Microsoft Himalaya"/>
+        <a:font script="Thaa" typeface="MV Boli"/>
+        <a:font script="Deva" typeface="Mangal"/>
+        <a:font script="Telu" typeface="Gautami"/>
+        <a:font script="Taml" typeface="Latha"/>
+        <a:font script="Syrc" typeface="Estrangelo Edessa"/>
+        <a:font script="Orya" typeface="Kalinga"/>
+        <a:font script="Mlym" typeface="Kartika"/>
+        <a:font script="Laoo" typeface="DokChampa"/>
+        <a:font script="Sinh" typeface="Iskoola Pota"/>
+        <a:font script="Mong" typeface="Mongolian Baiti"/>
+        <a:font script="Viet" typeface="Arial"/>
+        <a:font script="Uigh" typeface="Microsoft Uighur"/>
+        <a:font script="Geor" typeface="Sylfaen"/>
+        <a:font script="Armn" typeface="Arial"/>
+        <a:font script="Bugi" typeface="Leelawadee UI"/>
+        <a:font script="Bopo" typeface="Microsoft JhengHei"/>
+        <a:font script="Java" typeface="Javanese Text"/>
+        <a:font script="Lisu" typeface="Segoe UI"/>
+        <a:font script="Mymr" typeface="Myanmar Text"/>
+        <a:font script="Nkoo" typeface="Ebrima"/>
+        <a:font script="Olck" typeface="Nirmala UI"/>
+        <a:font script="Osma" typeface="Ebrima"/>
+        <a:font script="Phag" typeface="Phagspa"/>
+        <a:font script="Syrn" typeface="Estrangelo Edessa"/>
+        <a:font script="Syrj" typeface="Estrangelo Edessa"/>
+        <a:font script="Syre" typeface="Estrangelo Edessa"/>
+        <a:font script="Sora" typeface="Nirmala UI"/>
+        <a:font script="Tale" typeface="Microsoft Tai Le"/>
+        <a:font script="Talu" typeface="Microsoft New Tai Lue"/>
+        <a:font script="Tfng" typeface="Ebrima"/>
+      </a:minorFont>
+    </a:fontScheme>
+    <a:fmtScheme name="Office">
+      <a:fillStyleLst>
+        <a:solidFill>
+          <a:schemeClr val="phClr"/>
+        </a:solidFill>
+        <a:gradFill rotWithShape="1">
+          <a:gsLst>
+            <a:gs pos="0">
+              <a:schemeClr val="phClr">
+                <a:lumMod val="110000"/>
+                <a:satMod val="105000"/>
+                <a:tint val="67000"/>
+              </a:schemeClr>
+            </a:gs>
+            <a:gs pos="50000">
+              <a:schemeClr val="phClr">
+                <a:lumMod val="105000"/>
+                <a:satMod val="103000"/>
+                <a:tint val="73000"/>
+              </a:schemeClr>
+            </a:gs>
+            <a:gs pos="100000">
+              <a:schemeClr val="phClr">
+                <a:lumMod val="105000"/>
+                <a:satMod val="109000"/>
+                <a:tint val="81000"/>
+              </a:schemeClr>
+            </a:gs>
+          </a:gsLst>
+          <a:lin ang="5400000" scaled="0"/>
+        </a:gradFill>
+        <a:gradFill rotWithShape="1">
+          <a:gsLst>
+            <a:gs pos="0">
+              <a:schemeClr val="phClr">
+                <a:satMod val="103000"/>
+                <a:lumMod val="102000"/>
+                <a:tint val="94000"/>
+              </a:schemeClr>
+            </a:gs>
+            <a:gs pos="50000">
+              <a:schemeClr val="phClr">
+                <a:satMod val="110000"/>
+                <a:lumMod val="100000"/>
+                <a:shade val="100000"/>
+              </a:schemeClr>
+            </a:gs>
+            <a:gs pos="100000">
+              <a:schemeClr val="phClr">
+                <a:lumMod val="99000"/>
+                <a:satMod val="120000"/>
+                <a:shade val="78000"/>
+              </a:schemeClr>
+            </a:gs>
+          </a:gsLst>
+          <a:lin ang="5400000" scaled="0"/>
+        </a:gradFill>
+      </a:fillStyleLst>
+      <a:lnStyleLst>
+        <a:ln w="6350" cap="flat" cmpd="sng" algn="ctr">
+          <a:solidFill>
+            <a:schemeClr val="phClr"/>
+          </a:solidFill>
+          <a:prstDash val="solid"/>
+          <a:miter lim="800000"/>
+        </a:ln>
+        <a:ln w="12700" cap="flat" cmpd="sng" algn="ctr">
+          <a:solidFill>
+            <a:schemeClr val="phClr"/>
+          </a:solidFill>
+          <a:prstDash val="solid"/>
+          <a:miter lim="800000"/>
+        </a:ln>
+        <a:ln w="19050" cap="flat" cmpd="sng" algn="ctr">
+          <a:solidFill>
+            <a:schemeClr val="phClr"/>
+          </a:solidFill>
+          <a:prstDash val="solid"/>
+          <a:miter lim="800000"/>
+        </a:ln>
+      </a:lnStyleLst>
+      <a:effectStyleLst>
+        <a:effectStyle>
+          <a:effectLst/>
+        </a:effectStyle>
+        <a:effectStyle>
+          <a:effectLst/>
+        </a:effectStyle>
+        <a:effectStyle>
+          <a:effectLst>
+            <a:outerShdw blurRad="57150" dist="19050" dir="5400000" algn="ctr" rotWithShape="0">
+              <a:srgbClr val="000000">
+                <a:alpha val="63000"/>
+              </a:srgbClr>
+            </a:outerShdw>
+          </a:effectLst>
+        </a:effectStyle>
+      </a:effectStyleLst>
+      <a:bgFillStyleLst>
+        <a:solidFill>
+          <a:schemeClr val="phClr"/>
+        </a:solidFill>
+        <a:solidFill>
+          <a:schemeClr val="phClr">
+            <a:tint val="95000"/>
+            <a:satMod val="170000"/>
+          </a:schemeClr>
+        </a:solidFill>
+        <a:gradFill rotWithShape="1">
+          <a:gsLst>
+            <a:gs pos="0">
+              <a:schemeClr val="phClr">
+                <a:tint val="93000"/>
+                <a:satMod val="150000"/>
+                <a:shade val="98000"/>
+                <a:lumMod val="102000"/>
+              </a:schemeClr>
+            </a:gs>
+            <a:gs pos="50000">
+              <a:schemeClr val="phClr">
+                <a:tint val="98000"/>
+                <a:satMod val="130000"/>
+                <a:shade val="90000"/>
+                <a:lumMod val="103000"/>
+              </a:schemeClr>
+            </a:gs>
+            <a:gs pos="100000">
+              <a:schemeClr val="phClr">
+                <a:shade val="63000"/>
+                <a:satMod val="120000"/>
+              </a:schemeClr>
+            </a:gs>
+          </a:gsLst>
+          <a:lin ang="5400000" scaled="0"/>
+        </a:gradFill>
+      </a:bgFillStyleLst>
+    </a:fmtScheme>
+  </a:themeElements>
+  <a:objectDefaults/>
+  <a:extraClrSchemeLst/>
+  <a:extLst>
+    <a:ext uri="{05A4C25C-085E-4340-85A3-A5531E510DB2}">
+      <thm15:themeFamily xmlns:thm15="http://schemas.microsoft.com/office/thememl/2012/main" name="Office Theme" id="{62F939B6-93AF-4DB8-9C6B-D6C7DFDC589F}" vid="{4A3C46E8-61CC-4603-A589-7422A47A8E4A}"/>
+    </a:ext>
+  </a:extLst>
+</a:theme>
 </file>
--- a/onestopshop.pptx
+++ b/onestopshop.pptx
@@ -211,7 +211,7 @@
           <a:p>
             <a:fld id="{09E4776B-EF51-45DB-8713-19B7DB313E44}" type="datetimeFigureOut">
               <a:rPr lang="en-IN" smtClean="0"/>
-              <a:t>17-07-2019</a:t>
+              <a:t>28-07-2019</a:t>
             </a:fld>
             <a:endParaRPr lang="en-IN"/>
           </a:p>
@@ -679,7 +679,7 @@
           <a:p>
             <a:fld id="{E449BAFC-D402-4284-AF87-CE16CD752CD9}" type="datetime1">
               <a:rPr lang="en-IN" smtClean="0"/>
-              <a:t>17-07-2019</a:t>
+              <a:t>28-07-2019</a:t>
             </a:fld>
             <a:endParaRPr lang="en-IN"/>
           </a:p>
@@ -869,7 +869,7 @@
           <a:p>
             <a:fld id="{3BEF824A-C123-4A6E-AC20-DB98B6FEB8DE}" type="datetime1">
               <a:rPr lang="en-IN" smtClean="0"/>
-              <a:t>17-07-2019</a:t>
+              <a:t>28-07-2019</a:t>
             </a:fld>
             <a:endParaRPr lang="en-IN"/>
           </a:p>
@@ -1049,7 +1049,7 @@
           <a:p>
             <a:fld id="{542C6604-CE64-46CB-AF9A-C07FA2F39938}" type="datetime1">
               <a:rPr lang="en-IN" smtClean="0"/>
-              <a:t>17-07-2019</a:t>
+              <a:t>28-07-2019</a:t>
             </a:fld>
             <a:endParaRPr lang="en-IN"/>
           </a:p>
@@ -1219,7 +1219,7 @@
           <a:p>
             <a:fld id="{95CF9551-6940-4CAF-9B72-ABD933920442}" type="datetime1">
               <a:rPr lang="en-IN" smtClean="0"/>
-              <a:t>17-07-2019</a:t>
+              <a:t>28-07-2019</a:t>
             </a:fld>
             <a:endParaRPr lang="en-IN"/>
           </a:p>
@@ -1475,7 +1475,7 @@
           <a:p>
             <a:fld id="{D2BF7EB6-9043-4E65-94B0-3E9E780648EF}" type="datetime1">
               <a:rPr lang="en-IN" smtClean="0"/>
-              <a:t>17-07-2019</a:t>
+              <a:t>28-07-2019</a:t>
             </a:fld>
             <a:endParaRPr lang="en-IN"/>
           </a:p>
@@ -1763,7 +1763,7 @@
           <a:p>
             <a:fld id="{68DD52DA-408B-499B-92AD-48199175DD2F}" type="datetime1">
               <a:rPr lang="en-IN" smtClean="0"/>
-              <a:t>17-07-2019</a:t>
+              <a:t>28-07-2019</a:t>
             </a:fld>
             <a:endParaRPr lang="en-IN"/>
           </a:p>
@@ -2201,7 +2201,7 @@
           <a:p>
             <a:fld id="{8F414593-9710-4EB6-A4B0-409FBBEB1D6C}" type="datetime1">
               <a:rPr lang="en-IN" smtClean="0"/>
-              <a:t>17-07-2019</a:t>
+              <a:t>28-07-2019</a:t>
             </a:fld>
             <a:endParaRPr lang="en-IN"/>
           </a:p>
@@ -2319,7 +2319,7 @@
           <a:p>
             <a:fld id="{FA063213-D158-4848-AC44-1C83D0240393}" type="datetime1">
               <a:rPr lang="en-IN" smtClean="0"/>
-              <a:t>17-07-2019</a:t>
+              <a:t>28-07-2019</a:t>
             </a:fld>
             <a:endParaRPr lang="en-IN"/>
           </a:p>
@@ -2414,7 +2414,7 @@
           <a:p>
             <a:fld id="{04F4558D-B1BB-4D56-AA96-38E8CC352E68}" type="datetime1">
               <a:rPr lang="en-IN" smtClean="0"/>
-              <a:t>17-07-2019</a:t>
+              <a:t>28-07-2019</a:t>
             </a:fld>
             <a:endParaRPr lang="en-IN"/>
           </a:p>
@@ -2770,7 +2770,7 @@
           <a:p>
             <a:fld id="{1C50F2DB-8891-4D21-AE50-248328F02C49}" type="datetime1">
               <a:rPr lang="en-IN" smtClean="0"/>
-              <a:t>17-07-2019</a:t>
+              <a:t>28-07-2019</a:t>
             </a:fld>
             <a:endParaRPr lang="en-IN"/>
           </a:p>
@@ -3086,7 +3086,7 @@
           <a:p>
             <a:fld id="{EC750202-7E38-40CF-B4C4-5B7DA6430FD3}" type="datetime1">
               <a:rPr lang="en-IN" smtClean="0"/>
-              <a:t>17-07-2019</a:t>
+              <a:t>28-07-2019</a:t>
             </a:fld>
             <a:endParaRPr lang="en-IN"/>
           </a:p>
@@ -3319,7 +3319,7 @@
           <a:p>
             <a:fld id="{1A23E4A8-EB64-4D35-8780-817EE61E612B}" type="datetime1">
               <a:rPr lang="en-IN" smtClean="0"/>
-              <a:t>17-07-2019</a:t>
+              <a:t>28-07-2019</a:t>
             </a:fld>
             <a:endParaRPr lang="en-IN"/>
           </a:p>
@@ -3882,7 +3882,17 @@
                   <a:schemeClr val="bg1"/>
                 </a:solidFill>
               </a:rPr>
-              <a:t>ASHWIN MOHAN  –  TECOA101</a:t>
+              <a:t>MOHIT BURKULE  –   TECOA118 (Team Leader)</a:t>
+            </a:r>
+          </a:p>
+          <a:p>
+            <a:r>
+              <a:rPr lang="en-IN" dirty="0">
+                <a:solidFill>
+                  <a:schemeClr val="bg1"/>
+                </a:solidFill>
+              </a:rPr>
+              <a:t>VIVEK BULANI        –  TECOA117</a:t>
             </a:r>
           </a:p>
           <a:p>
@@ -3902,17 +3912,7 @@
                   <a:schemeClr val="bg1"/>
                 </a:solidFill>
               </a:rPr>
-              <a:t>VIVEK BULANI        –  TECOA117</a:t>
-            </a:r>
-          </a:p>
-          <a:p>
-            <a:r>
-              <a:rPr lang="en-IN" dirty="0">
-                <a:solidFill>
-                  <a:schemeClr val="bg1"/>
-                </a:solidFill>
-              </a:rPr>
-              <a:t>MOHIT BURKULE  –   TECOA118</a:t>
+              <a:t>ASHWIN MOHAN  –  TECOA101</a:t>
             </a:r>
           </a:p>
         </p:txBody>
@@ -4081,8 +4081,8 @@
         </p:nvSpPr>
         <p:spPr>
           <a:xfrm>
-            <a:off x="9501447" y="5965512"/>
-            <a:ext cx="2188559" cy="1307939"/>
+            <a:off x="10490662" y="6267796"/>
+            <a:ext cx="1199344" cy="1005655"/>
           </a:xfrm>
         </p:spPr>
         <p:txBody>
@@ -4462,12 +4462,41 @@
           </a:p>
         </p:txBody>
       </p:sp>
+      <p:sp>
+        <p:nvSpPr>
+          <p:cNvPr id="3" name="Slide Number Placeholder 2">
+            <a:extLst>
+              <a:ext uri="{FF2B5EF4-FFF2-40B4-BE49-F238E27FC236}">
+                <a16:creationId xmlns:a16="http://schemas.microsoft.com/office/drawing/2014/main" id="{FCDFBFBF-2BB6-40D2-B322-57F157CCB2D3}"/>
+              </a:ext>
+            </a:extLst>
+          </p:cNvPr>
+          <p:cNvSpPr>
+            <a:spLocks noGrp="1"/>
+          </p:cNvSpPr>
+          <p:nvPr>
+            <p:ph type="sldNum" sz="quarter" idx="12"/>
+          </p:nvPr>
+        </p:nvSpPr>
+        <p:spPr/>
+        <p:txBody>
+          <a:bodyPr/>
+          <a:lstStyle/>
+          <a:p>
+            <a:fld id="{B90C0261-7933-432D-8FE5-D8506305C951}" type="slidenum">
+              <a:rPr lang="en-IN" smtClean="0"/>
+              <a:t>12</a:t>
+            </a:fld>
+            <a:endParaRPr lang="en-IN"/>
+          </a:p>
+        </p:txBody>
+      </p:sp>
       <p:pic>
         <p:nvPicPr>
-          <p:cNvPr id="9" name="Content Placeholder 8">
+          <p:cNvPr id="10" name="Content Placeholder 9">
             <a:extLst>
               <a:ext uri="{FF2B5EF4-FFF2-40B4-BE49-F238E27FC236}">
-                <a16:creationId xmlns:a16="http://schemas.microsoft.com/office/drawing/2014/main" id="{AD43B1A9-097C-43D7-8B66-C78DB3CE9DE4}"/>
+                <a16:creationId xmlns:a16="http://schemas.microsoft.com/office/drawing/2014/main" id="{35371F0D-32E6-4998-AB72-8FCD011517AF}"/>
               </a:ext>
             </a:extLst>
           </p:cNvPr>
@@ -4492,40 +4521,11 @@
         </p:blipFill>
         <p:spPr>
           <a:xfrm>
-            <a:off x="1947949" y="1064029"/>
-            <a:ext cx="8296102" cy="5793971"/>
+            <a:off x="1919980" y="1122218"/>
+            <a:ext cx="6932814" cy="5569527"/>
           </a:xfrm>
         </p:spPr>
       </p:pic>
-      <p:sp>
-        <p:nvSpPr>
-          <p:cNvPr id="3" name="Slide Number Placeholder 2">
-            <a:extLst>
-              <a:ext uri="{FF2B5EF4-FFF2-40B4-BE49-F238E27FC236}">
-                <a16:creationId xmlns:a16="http://schemas.microsoft.com/office/drawing/2014/main" id="{FCDFBFBF-2BB6-40D2-B322-57F157CCB2D3}"/>
-              </a:ext>
-            </a:extLst>
-          </p:cNvPr>
-          <p:cNvSpPr>
-            <a:spLocks noGrp="1"/>
-          </p:cNvSpPr>
-          <p:nvPr>
-            <p:ph type="sldNum" sz="quarter" idx="12"/>
-          </p:nvPr>
-        </p:nvSpPr>
-        <p:spPr/>
-        <p:txBody>
-          <a:bodyPr/>
-          <a:lstStyle/>
-          <a:p>
-            <a:fld id="{B90C0261-7933-432D-8FE5-D8506305C951}" type="slidenum">
-              <a:rPr lang="en-IN" smtClean="0"/>
-              <a:t>12</a:t>
-            </a:fld>
-            <a:endParaRPr lang="en-IN"/>
-          </a:p>
-        </p:txBody>
-      </p:sp>
     </p:spTree>
     <p:extLst>
       <p:ext uri="{BB962C8B-B14F-4D97-AF65-F5344CB8AC3E}">
@@ -4589,12 +4589,41 @@
           </a:p>
         </p:txBody>
       </p:sp>
+      <p:sp>
+        <p:nvSpPr>
+          <p:cNvPr id="3" name="Slide Number Placeholder 2">
+            <a:extLst>
+              <a:ext uri="{FF2B5EF4-FFF2-40B4-BE49-F238E27FC236}">
+                <a16:creationId xmlns:a16="http://schemas.microsoft.com/office/drawing/2014/main" id="{3B5A3B12-6009-4C4E-B001-AD6BD80DFBE1}"/>
+              </a:ext>
+            </a:extLst>
+          </p:cNvPr>
+          <p:cNvSpPr>
+            <a:spLocks noGrp="1"/>
+          </p:cNvSpPr>
+          <p:nvPr>
+            <p:ph type="sldNum" sz="quarter" idx="12"/>
+          </p:nvPr>
+        </p:nvSpPr>
+        <p:spPr/>
+        <p:txBody>
+          <a:bodyPr/>
+          <a:lstStyle/>
+          <a:p>
+            <a:fld id="{B90C0261-7933-432D-8FE5-D8506305C951}" type="slidenum">
+              <a:rPr lang="en-IN" smtClean="0"/>
+              <a:t>13</a:t>
+            </a:fld>
+            <a:endParaRPr lang="en-IN"/>
+          </a:p>
+        </p:txBody>
+      </p:sp>
       <p:pic>
         <p:nvPicPr>
-          <p:cNvPr id="7" name="Content Placeholder 6">
+          <p:cNvPr id="8" name="Content Placeholder 7">
             <a:extLst>
               <a:ext uri="{FF2B5EF4-FFF2-40B4-BE49-F238E27FC236}">
-                <a16:creationId xmlns:a16="http://schemas.microsoft.com/office/drawing/2014/main" id="{09567BE0-62A3-4DFF-A855-94423CCA1785}"/>
+                <a16:creationId xmlns:a16="http://schemas.microsoft.com/office/drawing/2014/main" id="{DC04B031-1FC1-43DF-85C3-662BC154D4B1}"/>
               </a:ext>
             </a:extLst>
           </p:cNvPr>
@@ -4619,40 +4648,11 @@
         </p:blipFill>
         <p:spPr>
           <a:xfrm>
-            <a:off x="1885604" y="1354975"/>
-            <a:ext cx="8420792" cy="5361709"/>
+            <a:off x="3153294" y="1113906"/>
+            <a:ext cx="5885411" cy="5569527"/>
           </a:xfrm>
         </p:spPr>
       </p:pic>
-      <p:sp>
-        <p:nvSpPr>
-          <p:cNvPr id="3" name="Slide Number Placeholder 2">
-            <a:extLst>
-              <a:ext uri="{FF2B5EF4-FFF2-40B4-BE49-F238E27FC236}">
-                <a16:creationId xmlns:a16="http://schemas.microsoft.com/office/drawing/2014/main" id="{3B5A3B12-6009-4C4E-B001-AD6BD80DFBE1}"/>
-              </a:ext>
-            </a:extLst>
-          </p:cNvPr>
-          <p:cNvSpPr>
-            <a:spLocks noGrp="1"/>
-          </p:cNvSpPr>
-          <p:nvPr>
-            <p:ph type="sldNum" sz="quarter" idx="12"/>
-          </p:nvPr>
-        </p:nvSpPr>
-        <p:spPr/>
-        <p:txBody>
-          <a:bodyPr/>
-          <a:lstStyle/>
-          <a:p>
-            <a:fld id="{B90C0261-7933-432D-8FE5-D8506305C951}" type="slidenum">
-              <a:rPr lang="en-IN" smtClean="0"/>
-              <a:t>13</a:t>
-            </a:fld>
-            <a:endParaRPr lang="en-IN"/>
-          </a:p>
-        </p:txBody>
-      </p:sp>
     </p:spTree>
     <p:extLst>
       <p:ext uri="{BB962C8B-B14F-4D97-AF65-F5344CB8AC3E}">
@@ -4716,21 +4716,48 @@
           </a:p>
         </p:txBody>
       </p:sp>
+      <p:sp>
+        <p:nvSpPr>
+          <p:cNvPr id="3" name="Slide Number Placeholder 2">
+            <a:extLst>
+              <a:ext uri="{FF2B5EF4-FFF2-40B4-BE49-F238E27FC236}">
+                <a16:creationId xmlns:a16="http://schemas.microsoft.com/office/drawing/2014/main" id="{B4BFC27D-038E-4720-B5E2-D4ED4EC055E3}"/>
+              </a:ext>
+            </a:extLst>
+          </p:cNvPr>
+          <p:cNvSpPr>
+            <a:spLocks noGrp="1"/>
+          </p:cNvSpPr>
+          <p:nvPr>
+            <p:ph type="sldNum" sz="quarter" idx="12"/>
+          </p:nvPr>
+        </p:nvSpPr>
+        <p:spPr/>
+        <p:txBody>
+          <a:bodyPr/>
+          <a:lstStyle/>
+          <a:p>
+            <a:fld id="{B90C0261-7933-432D-8FE5-D8506305C951}" type="slidenum">
+              <a:rPr lang="en-IN" smtClean="0"/>
+              <a:t>14</a:t>
+            </a:fld>
+            <a:endParaRPr lang="en-IN"/>
+          </a:p>
+        </p:txBody>
+      </p:sp>
       <p:pic>
         <p:nvPicPr>
-          <p:cNvPr id="6" name="Content Placeholder 5">
+          <p:cNvPr id="8" name="Picture 7">
             <a:extLst>
               <a:ext uri="{FF2B5EF4-FFF2-40B4-BE49-F238E27FC236}">
-                <a16:creationId xmlns:a16="http://schemas.microsoft.com/office/drawing/2014/main" id="{79385D0A-EF80-4174-A58D-0FEFFC24EA67}"/>
+                <a16:creationId xmlns:a16="http://schemas.microsoft.com/office/drawing/2014/main" id="{2DFEEB73-AE31-4854-9493-BC1DC06699C2}"/>
               </a:ext>
             </a:extLst>
           </p:cNvPr>
           <p:cNvPicPr>
-            <a:picLocks noGrp="1" noChangeAspect="1"/>
+            <a:picLocks noChangeAspect="1"/>
           </p:cNvPicPr>
-          <p:nvPr>
-            <p:ph idx="1"/>
-          </p:nvPr>
+          <p:nvPr/>
         </p:nvPicPr>
         <p:blipFill>
           <a:blip r:embed="rId2">
@@ -4746,40 +4773,14 @@
         </p:blipFill>
         <p:spPr>
           <a:xfrm>
-            <a:off x="1978429" y="1753985"/>
-            <a:ext cx="8237913" cy="4846133"/>
+            <a:off x="1719349" y="1197032"/>
+            <a:ext cx="8753301" cy="5295207"/>
           </a:xfrm>
+          <a:prstGeom prst="rect">
+            <a:avLst/>
+          </a:prstGeom>
         </p:spPr>
       </p:pic>
-      <p:sp>
-        <p:nvSpPr>
-          <p:cNvPr id="3" name="Slide Number Placeholder 2">
-            <a:extLst>
-              <a:ext uri="{FF2B5EF4-FFF2-40B4-BE49-F238E27FC236}">
-                <a16:creationId xmlns:a16="http://schemas.microsoft.com/office/drawing/2014/main" id="{B4BFC27D-038E-4720-B5E2-D4ED4EC055E3}"/>
-              </a:ext>
-            </a:extLst>
-          </p:cNvPr>
-          <p:cNvSpPr>
-            <a:spLocks noGrp="1"/>
-          </p:cNvSpPr>
-          <p:nvPr>
-            <p:ph type="sldNum" sz="quarter" idx="12"/>
-          </p:nvPr>
-        </p:nvSpPr>
-        <p:spPr/>
-        <p:txBody>
-          <a:bodyPr/>
-          <a:lstStyle/>
-          <a:p>
-            <a:fld id="{B90C0261-7933-432D-8FE5-D8506305C951}" type="slidenum">
-              <a:rPr lang="en-IN" smtClean="0"/>
-              <a:t>14</a:t>
-            </a:fld>
-            <a:endParaRPr lang="en-IN"/>
-          </a:p>
-        </p:txBody>
-      </p:sp>
     </p:spTree>
     <p:extLst>
       <p:ext uri="{BB962C8B-B14F-4D97-AF65-F5344CB8AC3E}">
@@ -5071,7 +5072,7 @@
             </a:pPr>
             <a:r>
               <a:rPr lang="en-IN" dirty="0"/>
-              <a:t>USE CASES</a:t>
+              <a:t>Use Cases</a:t>
             </a:r>
           </a:p>
           <a:p>
